--- a/MIU Helpdesk.pptx
+++ b/MIU Helpdesk.pptx
@@ -6,10 +6,11 @@
   </p:sldMasterIdLst>
   <p:sldIdLst>
     <p:sldId id="256" r:id="rId2"/>
-    <p:sldId id="257" r:id="rId3"/>
-    <p:sldId id="258" r:id="rId4"/>
-    <p:sldId id="259" r:id="rId5"/>
-    <p:sldId id="260" r:id="rId6"/>
+    <p:sldId id="261" r:id="rId3"/>
+    <p:sldId id="257" r:id="rId4"/>
+    <p:sldId id="258" r:id="rId5"/>
+    <p:sldId id="259" r:id="rId6"/>
+    <p:sldId id="260" r:id="rId7"/>
   </p:sldIdLst>
   <p:sldSz cx="12192000" cy="6858000"/>
   <p:notesSz cx="6858000" cy="9144000"/>
@@ -7771,7 +7772,7 @@
           <a:p>
             <a:r>
               <a:rPr lang="en-US" dirty="0"/>
-              <a:t>An online helpdesk to categorize and provide solutions to all student issues</a:t>
+              <a:t>An online helpdesk to solve all student issues</a:t>
             </a:r>
           </a:p>
         </p:txBody>
@@ -7808,7 +7809,13 @@
       </p:grpSpPr>
       <p:sp>
         <p:nvSpPr>
-          <p:cNvPr id="2" name="Titre 1"/>
+          <p:cNvPr id="2" name="Title 1">
+            <a:extLst>
+              <a:ext uri="{FF2B5EF4-FFF2-40B4-BE49-F238E27FC236}">
+                <a16:creationId xmlns:a16="http://schemas.microsoft.com/office/drawing/2014/main" id="{A39E0302-EE2A-4366-B293-27053248EE3D}"/>
+              </a:ext>
+            </a:extLst>
+          </p:cNvPr>
           <p:cNvSpPr>
             <a:spLocks noGrp="1"/>
           </p:cNvSpPr>
@@ -7823,52 +7830,340 @@
           <a:p>
             <a:r>
               <a:rPr lang="en-US" dirty="0"/>
-              <a:t>Problem statement</a:t>
-            </a:r>
-          </a:p>
-        </p:txBody>
-      </p:sp>
-      <p:sp>
-        <p:nvSpPr>
-          <p:cNvPr id="3" name="Espace réservé du contenu 2"/>
-          <p:cNvSpPr>
-            <a:spLocks noGrp="1"/>
-          </p:cNvSpPr>
+              <a:t>Group Members</a:t>
+            </a:r>
+          </a:p>
+        </p:txBody>
+      </p:sp>
+      <p:graphicFrame>
+        <p:nvGraphicFramePr>
+          <p:cNvPr id="4" name="Content Placeholder 3">
+            <a:extLst>
+              <a:ext uri="{FF2B5EF4-FFF2-40B4-BE49-F238E27FC236}">
+                <a16:creationId xmlns:a16="http://schemas.microsoft.com/office/drawing/2014/main" id="{418060C1-2C89-4CC0-A4B2-A04BAF2A58F1}"/>
+              </a:ext>
+            </a:extLst>
+          </p:cNvPr>
+          <p:cNvGraphicFramePr>
+            <a:graphicFrameLocks noGrp="1"/>
+          </p:cNvGraphicFramePr>
           <p:nvPr>
             <p:ph idx="1"/>
-          </p:nvPr>
-        </p:nvSpPr>
-        <p:spPr/>
-        <p:txBody>
-          <a:bodyPr/>
-          <a:lstStyle/>
-          <a:p>
-            <a:r>
-              <a:rPr lang="en-US" dirty="0"/>
-              <a:t>User (Student) problems qualifications</a:t>
-            </a:r>
-          </a:p>
-          <a:p>
-            <a:r>
-              <a:rPr lang="en-US" dirty="0"/>
-              <a:t>Many resources to use for contacting</a:t>
-            </a:r>
-          </a:p>
-          <a:p>
-            <a:r>
-              <a:rPr lang="en-US" dirty="0"/>
-              <a:t>Lack of correct information</a:t>
-            </a:r>
-          </a:p>
-          <a:p>
-            <a:endParaRPr lang="en-US" dirty="0"/>
-          </a:p>
-        </p:txBody>
-      </p:sp>
+            <p:extLst>
+              <p:ext uri="{D42A27DB-BD31-4B8C-83A1-F6EECF244321}">
+                <p14:modId xmlns:p14="http://schemas.microsoft.com/office/powerpoint/2010/main" val="820246256"/>
+              </p:ext>
+            </p:extLst>
+          </p:nvPr>
+        </p:nvGraphicFramePr>
+        <p:xfrm>
+          <a:off x="1571348" y="1367161"/>
+          <a:ext cx="5737605" cy="2987034"/>
+        </p:xfrm>
+        <a:graphic>
+          <a:graphicData uri="http://schemas.openxmlformats.org/drawingml/2006/table">
+            <a:tbl>
+              <a:tblPr/>
+              <a:tblGrid>
+                <a:gridCol w="1151890">
+                  <a:extLst>
+                    <a:ext uri="{9D8B030D-6E8A-4147-A177-3AD203B41FA5}">
+                      <a16:colId xmlns:a16="http://schemas.microsoft.com/office/drawing/2014/main" val="3385409911"/>
+                    </a:ext>
+                  </a:extLst>
+                </a:gridCol>
+                <a:gridCol w="4585715">
+                  <a:extLst>
+                    <a:ext uri="{9D8B030D-6E8A-4147-A177-3AD203B41FA5}">
+                      <a16:colId xmlns:a16="http://schemas.microsoft.com/office/drawing/2014/main" val="3534075289"/>
+                    </a:ext>
+                  </a:extLst>
+                </a:gridCol>
+              </a:tblGrid>
+              <a:tr h="995678">
+                <a:tc>
+                  <a:txBody>
+                    <a:bodyPr/>
+                    <a:lstStyle/>
+                    <a:p>
+                      <a:pPr algn="r" fontAlgn="b"/>
+                      <a:r>
+                        <a:rPr lang="en-US" sz="2800" b="0" i="0" u="none" strike="noStrike">
+                          <a:solidFill>
+                            <a:srgbClr val="000000"/>
+                          </a:solidFill>
+                          <a:effectLst/>
+                          <a:latin typeface="Baskerville Old Face" panose="02020602080505020303" pitchFamily="18" charset="0"/>
+                        </a:rPr>
+                        <a:t>612377</a:t>
+                      </a:r>
+                    </a:p>
+                  </a:txBody>
+                  <a:tcPr marL="7620" marR="7620" marT="7620" anchor="b">
+                    <a:lnL>
+                      <a:noFill/>
+                    </a:lnL>
+                    <a:lnR>
+                      <a:noFill/>
+                    </a:lnR>
+                    <a:lnT>
+                      <a:noFill/>
+                    </a:lnT>
+                    <a:lnB>
+                      <a:noFill/>
+                    </a:lnB>
+                  </a:tcPr>
+                </a:tc>
+                <a:tc>
+                  <a:txBody>
+                    <a:bodyPr/>
+                    <a:lstStyle/>
+                    <a:p>
+                      <a:pPr algn="l" fontAlgn="b"/>
+                      <a:r>
+                        <a:rPr lang="en-US" sz="2800" b="0" i="0" u="none" strike="noStrike" dirty="0">
+                          <a:solidFill>
+                            <a:srgbClr val="000000"/>
+                          </a:solidFill>
+                          <a:effectLst/>
+                          <a:latin typeface="Baskerville Old Face" panose="02020602080505020303" pitchFamily="18" charset="0"/>
+                        </a:rPr>
+                        <a:t>       Pierrot Babu </a:t>
+                      </a:r>
+                      <a:r>
+                        <a:rPr lang="en-US" sz="2800" b="0" i="0" u="none" strike="noStrike" dirty="0" err="1">
+                          <a:solidFill>
+                            <a:srgbClr val="000000"/>
+                          </a:solidFill>
+                          <a:effectLst/>
+                          <a:latin typeface="Baskerville Old Face" panose="02020602080505020303" pitchFamily="18" charset="0"/>
+                        </a:rPr>
+                        <a:t>Ngimbidi</a:t>
+                      </a:r>
+                      <a:endParaRPr lang="en-US" sz="2800" b="0" i="0" u="none" strike="noStrike" dirty="0">
+                        <a:solidFill>
+                          <a:srgbClr val="000000"/>
+                        </a:solidFill>
+                        <a:effectLst/>
+                        <a:latin typeface="Baskerville Old Face" panose="02020602080505020303" pitchFamily="18" charset="0"/>
+                      </a:endParaRPr>
+                    </a:p>
+                  </a:txBody>
+                  <a:tcPr marL="7620" marR="7620" marT="7620" anchor="b">
+                    <a:lnL>
+                      <a:noFill/>
+                    </a:lnL>
+                    <a:lnR>
+                      <a:noFill/>
+                    </a:lnR>
+                    <a:lnT>
+                      <a:noFill/>
+                    </a:lnT>
+                    <a:lnB>
+                      <a:noFill/>
+                    </a:lnB>
+                  </a:tcPr>
+                </a:tc>
+                <a:extLst>
+                  <a:ext uri="{0D108BD9-81ED-4DB2-BD59-A6C34878D82A}">
+                    <a16:rowId xmlns:a16="http://schemas.microsoft.com/office/drawing/2014/main" val="1949012697"/>
+                  </a:ext>
+                </a:extLst>
+              </a:tr>
+              <a:tr h="995678">
+                <a:tc>
+                  <a:txBody>
+                    <a:bodyPr/>
+                    <a:lstStyle/>
+                    <a:p>
+                      <a:pPr algn="r" fontAlgn="b"/>
+                      <a:r>
+                        <a:rPr lang="en-US" sz="2800" b="0" i="0" u="none" strike="noStrike">
+                          <a:solidFill>
+                            <a:srgbClr val="000000"/>
+                          </a:solidFill>
+                          <a:effectLst/>
+                          <a:latin typeface="Baskerville Old Face" panose="02020602080505020303" pitchFamily="18" charset="0"/>
+                        </a:rPr>
+                        <a:t>612413</a:t>
+                      </a:r>
+                    </a:p>
+                  </a:txBody>
+                  <a:tcPr marL="7620" marR="7620" marT="7620" anchor="b">
+                    <a:lnL>
+                      <a:noFill/>
+                    </a:lnL>
+                    <a:lnR>
+                      <a:noFill/>
+                    </a:lnR>
+                    <a:lnT>
+                      <a:noFill/>
+                    </a:lnT>
+                    <a:lnB>
+                      <a:noFill/>
+                    </a:lnB>
+                  </a:tcPr>
+                </a:tc>
+                <a:tc>
+                  <a:txBody>
+                    <a:bodyPr/>
+                    <a:lstStyle/>
+                    <a:p>
+                      <a:pPr algn="l" fontAlgn="b"/>
+                      <a:r>
+                        <a:rPr lang="en-US" sz="2800" b="0" i="0" u="none" strike="noStrike" dirty="0">
+                          <a:solidFill>
+                            <a:srgbClr val="000000"/>
+                          </a:solidFill>
+                          <a:effectLst/>
+                          <a:latin typeface="Baskerville Old Face" panose="02020602080505020303" pitchFamily="18" charset="0"/>
+                        </a:rPr>
+                        <a:t>       Boaz Turyahikayo</a:t>
+                      </a:r>
+                    </a:p>
+                  </a:txBody>
+                  <a:tcPr marL="7620" marR="7620" marT="7620" anchor="b">
+                    <a:lnL>
+                      <a:noFill/>
+                    </a:lnL>
+                    <a:lnR>
+                      <a:noFill/>
+                    </a:lnR>
+                    <a:lnT>
+                      <a:noFill/>
+                    </a:lnT>
+                    <a:lnB>
+                      <a:noFill/>
+                    </a:lnB>
+                  </a:tcPr>
+                </a:tc>
+                <a:extLst>
+                  <a:ext uri="{0D108BD9-81ED-4DB2-BD59-A6C34878D82A}">
+                    <a16:rowId xmlns:a16="http://schemas.microsoft.com/office/drawing/2014/main" val="2003480056"/>
+                  </a:ext>
+                </a:extLst>
+              </a:tr>
+              <a:tr h="995678">
+                <a:tc>
+                  <a:txBody>
+                    <a:bodyPr/>
+                    <a:lstStyle/>
+                    <a:p>
+                      <a:pPr algn="r" fontAlgn="b"/>
+                      <a:r>
+                        <a:rPr lang="en-US" sz="2800" b="0" i="0" u="none" strike="noStrike" dirty="0">
+                          <a:solidFill>
+                            <a:srgbClr val="000000"/>
+                          </a:solidFill>
+                          <a:effectLst/>
+                          <a:latin typeface="Baskerville Old Face" panose="02020602080505020303" pitchFamily="18" charset="0"/>
+                        </a:rPr>
+                        <a:t>612373</a:t>
+                      </a:r>
+                    </a:p>
+                  </a:txBody>
+                  <a:tcPr marL="7620" marR="7620" marT="7620" anchor="b">
+                    <a:lnL>
+                      <a:noFill/>
+                    </a:lnL>
+                    <a:lnR>
+                      <a:noFill/>
+                    </a:lnR>
+                    <a:lnT>
+                      <a:noFill/>
+                    </a:lnT>
+                    <a:lnB>
+                      <a:noFill/>
+                    </a:lnB>
+                  </a:tcPr>
+                </a:tc>
+                <a:tc>
+                  <a:txBody>
+                    <a:bodyPr/>
+                    <a:lstStyle/>
+                    <a:p>
+                      <a:pPr algn="l" fontAlgn="b"/>
+                      <a:r>
+                        <a:rPr lang="en-US" sz="2800" b="0" i="0" u="none" strike="noStrike" dirty="0">
+                          <a:solidFill>
+                            <a:srgbClr val="000000"/>
+                          </a:solidFill>
+                          <a:effectLst/>
+                          <a:latin typeface="Baskerville Old Face" panose="02020602080505020303" pitchFamily="18" charset="0"/>
+                        </a:rPr>
+                        <a:t>       </a:t>
+                      </a:r>
+                      <a:r>
+                        <a:rPr lang="en-US" sz="2800" b="0" i="0" u="none" strike="noStrike" dirty="0" err="1">
+                          <a:solidFill>
+                            <a:srgbClr val="000000"/>
+                          </a:solidFill>
+                          <a:effectLst/>
+                          <a:latin typeface="Baskerville Old Face" panose="02020602080505020303" pitchFamily="18" charset="0"/>
+                        </a:rPr>
+                        <a:t>Addisu</a:t>
+                      </a:r>
+                      <a:r>
+                        <a:rPr lang="en-US" sz="2800" b="0" i="0" u="none" strike="noStrike" dirty="0">
+                          <a:solidFill>
+                            <a:srgbClr val="000000"/>
+                          </a:solidFill>
+                          <a:effectLst/>
+                          <a:latin typeface="Baskerville Old Face" panose="02020602080505020303" pitchFamily="18" charset="0"/>
+                        </a:rPr>
+                        <a:t> </a:t>
+                      </a:r>
+                      <a:r>
+                        <a:rPr lang="en-US" sz="2800" b="0" i="0" u="none" strike="noStrike" dirty="0" err="1">
+                          <a:solidFill>
+                            <a:srgbClr val="000000"/>
+                          </a:solidFill>
+                          <a:effectLst/>
+                          <a:latin typeface="Baskerville Old Face" panose="02020602080505020303" pitchFamily="18" charset="0"/>
+                        </a:rPr>
+                        <a:t>Damena</a:t>
+                      </a:r>
+                      <a:r>
+                        <a:rPr lang="en-US" sz="2800" b="0" i="0" u="none" strike="noStrike" dirty="0">
+                          <a:solidFill>
+                            <a:srgbClr val="000000"/>
+                          </a:solidFill>
+                          <a:effectLst/>
+                          <a:latin typeface="Baskerville Old Face" panose="02020602080505020303" pitchFamily="18" charset="0"/>
+                        </a:rPr>
+                        <a:t> Alemu</a:t>
+                      </a:r>
+                    </a:p>
+                  </a:txBody>
+                  <a:tcPr marL="7620" marR="7620" marT="7620" anchor="b">
+                    <a:lnL>
+                      <a:noFill/>
+                    </a:lnL>
+                    <a:lnR>
+                      <a:noFill/>
+                    </a:lnR>
+                    <a:lnT>
+                      <a:noFill/>
+                    </a:lnT>
+                    <a:lnB>
+                      <a:noFill/>
+                    </a:lnB>
+                  </a:tcPr>
+                </a:tc>
+                <a:extLst>
+                  <a:ext uri="{0D108BD9-81ED-4DB2-BD59-A6C34878D82A}">
+                    <a16:rowId xmlns:a16="http://schemas.microsoft.com/office/drawing/2014/main" val="2802994856"/>
+                  </a:ext>
+                </a:extLst>
+              </a:tr>
+            </a:tbl>
+          </a:graphicData>
+        </a:graphic>
+      </p:graphicFrame>
     </p:spTree>
     <p:extLst>
       <p:ext uri="{BB962C8B-B14F-4D97-AF65-F5344CB8AC3E}">
-        <p14:creationId xmlns:p14="http://schemas.microsoft.com/office/powerpoint/2010/main" val="2300968281"/>
+        <p14:creationId xmlns:p14="http://schemas.microsoft.com/office/powerpoint/2010/main" val="78229332"/>
       </p:ext>
     </p:extLst>
   </p:cSld>
@@ -7912,7 +8207,7 @@
           <a:p>
             <a:r>
               <a:rPr lang="en-US" dirty="0"/>
-              <a:t>Proposed solution</a:t>
+              <a:t>Problem statement</a:t>
             </a:r>
           </a:p>
         </p:txBody>
@@ -7932,20 +8227,32 @@
           <a:bodyPr/>
           <a:lstStyle/>
           <a:p>
-            <a:pPr marL="0" indent="0">
-              <a:buNone/>
-            </a:pPr>
             <a:r>
               <a:rPr lang="en-US" dirty="0"/>
-              <a:t>Helpdesk System that will help resolve problem </a:t>
-            </a:r>
+              <a:t>User (Student) problems qualifications</a:t>
+            </a:r>
+          </a:p>
+          <a:p>
+            <a:r>
+              <a:rPr lang="en-US" dirty="0"/>
+              <a:t>Many resources to use for contacting</a:t>
+            </a:r>
+          </a:p>
+          <a:p>
+            <a:r>
+              <a:rPr lang="en-US" dirty="0"/>
+              <a:t>Lack of correct information</a:t>
+            </a:r>
+          </a:p>
+          <a:p>
+            <a:endParaRPr lang="en-US" dirty="0"/>
           </a:p>
         </p:txBody>
       </p:sp>
     </p:spTree>
     <p:extLst>
       <p:ext uri="{BB962C8B-B14F-4D97-AF65-F5344CB8AC3E}">
-        <p14:creationId xmlns:p14="http://schemas.microsoft.com/office/powerpoint/2010/main" val="2383684196"/>
+        <p14:creationId xmlns:p14="http://schemas.microsoft.com/office/powerpoint/2010/main" val="2300968281"/>
       </p:ext>
     </p:extLst>
   </p:cSld>
@@ -7989,7 +8296,7 @@
           <a:p>
             <a:r>
               <a:rPr lang="en-US" dirty="0"/>
-              <a:t>Advantages</a:t>
+              <a:t>Proposed solution</a:t>
             </a:r>
           </a:p>
         </p:txBody>
@@ -8006,32 +8313,30 @@
         </p:nvSpPr>
         <p:spPr/>
         <p:txBody>
-          <a:bodyPr vert="horz" lIns="91440" tIns="45720" rIns="91440" bIns="45720" rtlCol="0" anchor="t">
-            <a:normAutofit/>
-          </a:bodyPr>
+          <a:bodyPr/>
           <a:lstStyle/>
           <a:p>
+            <a:pPr marL="0" indent="0">
+              <a:buNone/>
+            </a:pPr>
             <a:r>
               <a:rPr lang="en-US" dirty="0"/>
-              <a:t>Gain of time</a:t>
-            </a:r>
-          </a:p>
-          <a:p>
+              <a:t>Helpdesk System that will help resolve problem </a:t>
+            </a:r>
+          </a:p>
+          <a:p>
+            <a:pPr marL="0" indent="0">
+              <a:buNone/>
+            </a:pPr>
             <a:r>
               <a:rPr lang="en-US" dirty="0"/>
-              <a:t>No need to contact various persons or services for one problem</a:t>
-            </a:r>
-          </a:p>
-          <a:p>
-            <a:r>
-              <a:rPr lang="en-US" dirty="0"/>
-              <a:t>Share information correctly between different services </a:t>
-            </a:r>
-          </a:p>
-          <a:p>
-            <a:endParaRPr lang="en-US" dirty="0"/>
-          </a:p>
-          <a:p>
+              <a:t>The user generates a query in form of a ticket to the system manager who then qualifies it and sends it to the appropriate agent/department to handle</a:t>
+            </a:r>
+          </a:p>
+          <a:p>
+            <a:pPr marL="0" indent="0">
+              <a:buNone/>
+            </a:pPr>
             <a:endParaRPr lang="en-US" dirty="0"/>
           </a:p>
         </p:txBody>
@@ -8039,7 +8344,7 @@
     </p:spTree>
     <p:extLst>
       <p:ext uri="{BB962C8B-B14F-4D97-AF65-F5344CB8AC3E}">
-        <p14:creationId xmlns:p14="http://schemas.microsoft.com/office/powerpoint/2010/main" val="345395102"/>
+        <p14:creationId xmlns:p14="http://schemas.microsoft.com/office/powerpoint/2010/main" val="2383684196"/>
       </p:ext>
     </p:extLst>
   </p:cSld>
@@ -8081,7 +8386,10 @@
           <a:bodyPr/>
           <a:lstStyle/>
           <a:p>
-            <a:endParaRPr lang="en-US"/>
+            <a:r>
+              <a:rPr lang="en-US" dirty="0"/>
+              <a:t>Advantages</a:t>
+            </a:r>
           </a:p>
         </p:txBody>
       </p:sp>
@@ -8093,6 +8401,78 @@
           </p:cNvSpPr>
           <p:nvPr>
             <p:ph idx="1"/>
+          </p:nvPr>
+        </p:nvSpPr>
+        <p:spPr/>
+        <p:txBody>
+          <a:bodyPr vert="horz" lIns="91440" tIns="45720" rIns="91440" bIns="45720" rtlCol="0" anchor="t">
+            <a:normAutofit/>
+          </a:bodyPr>
+          <a:lstStyle/>
+          <a:p>
+            <a:r>
+              <a:rPr lang="en-US" dirty="0"/>
+              <a:t>Gain of time</a:t>
+            </a:r>
+          </a:p>
+          <a:p>
+            <a:r>
+              <a:rPr lang="en-US" dirty="0"/>
+              <a:t>No need to contact various persons or services for one problem</a:t>
+            </a:r>
+          </a:p>
+          <a:p>
+            <a:r>
+              <a:rPr lang="en-US" dirty="0"/>
+              <a:t>Share information correctly between different services </a:t>
+            </a:r>
+          </a:p>
+          <a:p>
+            <a:endParaRPr lang="en-US" dirty="0"/>
+          </a:p>
+          <a:p>
+            <a:endParaRPr lang="en-US" dirty="0"/>
+          </a:p>
+        </p:txBody>
+      </p:sp>
+    </p:spTree>
+    <p:extLst>
+      <p:ext uri="{BB962C8B-B14F-4D97-AF65-F5344CB8AC3E}">
+        <p14:creationId xmlns:p14="http://schemas.microsoft.com/office/powerpoint/2010/main" val="345395102"/>
+      </p:ext>
+    </p:extLst>
+  </p:cSld>
+  <p:clrMapOvr>
+    <a:masterClrMapping/>
+  </p:clrMapOvr>
+</p:sld>
+</file>
+
+<file path=ppt/slides/slide6.xml><?xml version="1.0" encoding="utf-8"?>
+<p:sld xmlns:a="http://schemas.openxmlformats.org/drawingml/2006/main" xmlns:r="http://schemas.openxmlformats.org/officeDocument/2006/relationships" xmlns:p="http://schemas.openxmlformats.org/presentationml/2006/main">
+  <p:cSld>
+    <p:spTree>
+      <p:nvGrpSpPr>
+        <p:cNvPr id="1" name=""/>
+        <p:cNvGrpSpPr/>
+        <p:nvPr/>
+      </p:nvGrpSpPr>
+      <p:grpSpPr>
+        <a:xfrm>
+          <a:off x="0" y="0"/>
+          <a:ext cx="0" cy="0"/>
+          <a:chOff x="0" y="0"/>
+          <a:chExt cx="0" cy="0"/>
+        </a:xfrm>
+      </p:grpSpPr>
+      <p:sp>
+        <p:nvSpPr>
+          <p:cNvPr id="2" name="Titre 1"/>
+          <p:cNvSpPr>
+            <a:spLocks noGrp="1"/>
+          </p:cNvSpPr>
+          <p:nvPr>
+            <p:ph type="title"/>
           </p:nvPr>
         </p:nvSpPr>
         <p:spPr/>
@@ -8100,10 +8480,52 @@
           <a:bodyPr/>
           <a:lstStyle/>
           <a:p>
-            <a:endParaRPr lang="en-US"/>
-          </a:p>
-        </p:txBody>
-      </p:sp>
+            <a:r>
+              <a:rPr lang="en-US" dirty="0"/>
+              <a:t>Class Diagram</a:t>
+            </a:r>
+            <a:br>
+              <a:rPr lang="en-US" dirty="0"/>
+            </a:br>
+            <a:endParaRPr lang="en-US" dirty="0"/>
+          </a:p>
+        </p:txBody>
+      </p:sp>
+      <p:pic>
+        <p:nvPicPr>
+          <p:cNvPr id="5" name="Content Placeholder 4" descr="Diagram&#10;&#10;Description automatically generated">
+            <a:extLst>
+              <a:ext uri="{FF2B5EF4-FFF2-40B4-BE49-F238E27FC236}">
+                <a16:creationId xmlns:a16="http://schemas.microsoft.com/office/drawing/2014/main" id="{A745FE63-495D-4D6C-8E7C-1B2541A62928}"/>
+              </a:ext>
+            </a:extLst>
+          </p:cNvPr>
+          <p:cNvPicPr>
+            <a:picLocks noGrp="1" noChangeAspect="1"/>
+          </p:cNvPicPr>
+          <p:nvPr>
+            <p:ph idx="1"/>
+          </p:nvPr>
+        </p:nvPicPr>
+        <p:blipFill>
+          <a:blip r:embed="rId2">
+            <a:extLst>
+              <a:ext uri="{28A0092B-C50C-407E-A947-70E740481C1C}">
+                <a14:useLocalDpi xmlns:a14="http://schemas.microsoft.com/office/drawing/2010/main" val="0"/>
+              </a:ext>
+            </a:extLst>
+          </a:blip>
+          <a:stretch>
+            <a:fillRect/>
+          </a:stretch>
+        </p:blipFill>
+        <p:spPr>
+          <a:xfrm>
+            <a:off x="2592925" y="1285874"/>
+            <a:ext cx="7160675" cy="4638675"/>
+          </a:xfrm>
+        </p:spPr>
+      </p:pic>
     </p:spTree>
     <p:extLst>
       <p:ext uri="{BB962C8B-B14F-4D97-AF65-F5344CB8AC3E}">

--- a/MIU Helpdesk.pptx
+++ b/MIU Helpdesk.pptx
@@ -10,7 +10,10 @@
     <p:sldId id="257" r:id="rId4"/>
     <p:sldId id="258" r:id="rId5"/>
     <p:sldId id="259" r:id="rId6"/>
-    <p:sldId id="260" r:id="rId7"/>
+    <p:sldId id="262" r:id="rId7"/>
+    <p:sldId id="260" r:id="rId8"/>
+    <p:sldId id="264" r:id="rId9"/>
+    <p:sldId id="263" r:id="rId10"/>
   </p:sldIdLst>
   <p:sldSz cx="12192000" cy="6858000"/>
   <p:notesSz cx="6858000" cy="9144000"/>
@@ -8467,6 +8470,116 @@
       </p:grpSpPr>
       <p:sp>
         <p:nvSpPr>
+          <p:cNvPr id="2" name="Title 1">
+            <a:extLst>
+              <a:ext uri="{FF2B5EF4-FFF2-40B4-BE49-F238E27FC236}">
+                <a16:creationId xmlns:a16="http://schemas.microsoft.com/office/drawing/2014/main" id="{F0FA1034-9956-4473-A66D-024EF1708763}"/>
+              </a:ext>
+            </a:extLst>
+          </p:cNvPr>
+          <p:cNvSpPr>
+            <a:spLocks noGrp="1"/>
+          </p:cNvSpPr>
+          <p:nvPr>
+            <p:ph type="title"/>
+          </p:nvPr>
+        </p:nvSpPr>
+        <p:spPr/>
+        <p:txBody>
+          <a:bodyPr/>
+          <a:lstStyle/>
+          <a:p>
+            <a:r>
+              <a:rPr lang="en-US" dirty="0"/>
+              <a:t>Use Cases</a:t>
+            </a:r>
+          </a:p>
+        </p:txBody>
+      </p:sp>
+      <p:sp>
+        <p:nvSpPr>
+          <p:cNvPr id="3" name="Content Placeholder 2">
+            <a:extLst>
+              <a:ext uri="{FF2B5EF4-FFF2-40B4-BE49-F238E27FC236}">
+                <a16:creationId xmlns:a16="http://schemas.microsoft.com/office/drawing/2014/main" id="{0584E134-E451-43AF-A360-233520C1EEE8}"/>
+              </a:ext>
+            </a:extLst>
+          </p:cNvPr>
+          <p:cNvSpPr>
+            <a:spLocks noGrp="1"/>
+          </p:cNvSpPr>
+          <p:nvPr>
+            <p:ph idx="1"/>
+          </p:nvPr>
+        </p:nvSpPr>
+        <p:spPr/>
+        <p:txBody>
+          <a:bodyPr/>
+          <a:lstStyle/>
+          <a:p>
+            <a:r>
+              <a:rPr lang="en-US" dirty="0"/>
+              <a:t>Login</a:t>
+            </a:r>
+          </a:p>
+          <a:p>
+            <a:r>
+              <a:rPr lang="en-US" dirty="0"/>
+              <a:t>View Tickets</a:t>
+            </a:r>
+          </a:p>
+          <a:p>
+            <a:r>
+              <a:rPr lang="en-US" dirty="0"/>
+              <a:t>Create new Ticket</a:t>
+            </a:r>
+          </a:p>
+          <a:p>
+            <a:r>
+              <a:rPr lang="en-US" dirty="0"/>
+              <a:t>Assign ticket</a:t>
+            </a:r>
+          </a:p>
+          <a:p>
+            <a:r>
+              <a:rPr lang="en-US" dirty="0"/>
+              <a:t>Solve and close ticket</a:t>
+            </a:r>
+          </a:p>
+        </p:txBody>
+      </p:sp>
+    </p:spTree>
+    <p:extLst>
+      <p:ext uri="{BB962C8B-B14F-4D97-AF65-F5344CB8AC3E}">
+        <p14:creationId xmlns:p14="http://schemas.microsoft.com/office/powerpoint/2010/main" val="2719623626"/>
+      </p:ext>
+    </p:extLst>
+  </p:cSld>
+  <p:clrMapOvr>
+    <a:masterClrMapping/>
+  </p:clrMapOvr>
+</p:sld>
+</file>
+
+<file path=ppt/slides/slide7.xml><?xml version="1.0" encoding="utf-8"?>
+<p:sld xmlns:a="http://schemas.openxmlformats.org/drawingml/2006/main" xmlns:r="http://schemas.openxmlformats.org/officeDocument/2006/relationships" xmlns:p="http://schemas.openxmlformats.org/presentationml/2006/main">
+  <p:cSld>
+    <p:spTree>
+      <p:nvGrpSpPr>
+        <p:cNvPr id="1" name=""/>
+        <p:cNvGrpSpPr/>
+        <p:nvPr/>
+      </p:nvGrpSpPr>
+      <p:grpSpPr>
+        <a:xfrm>
+          <a:off x="0" y="0"/>
+          <a:ext cx="0" cy="0"/>
+          <a:chOff x="0" y="0"/>
+          <a:chExt cx="0" cy="0"/>
+        </a:xfrm>
+      </p:grpSpPr>
+      <p:sp>
+        <p:nvSpPr>
           <p:cNvPr id="2" name="Titre 1"/>
           <p:cNvSpPr>
             <a:spLocks noGrp="1"/>
@@ -8530,6 +8643,224 @@
     <p:extLst>
       <p:ext uri="{BB962C8B-B14F-4D97-AF65-F5344CB8AC3E}">
         <p14:creationId xmlns:p14="http://schemas.microsoft.com/office/powerpoint/2010/main" val="3321860776"/>
+      </p:ext>
+    </p:extLst>
+  </p:cSld>
+  <p:clrMapOvr>
+    <a:masterClrMapping/>
+  </p:clrMapOvr>
+</p:sld>
+</file>
+
+<file path=ppt/slides/slide8.xml><?xml version="1.0" encoding="utf-8"?>
+<p:sld xmlns:a="http://schemas.openxmlformats.org/drawingml/2006/main" xmlns:r="http://schemas.openxmlformats.org/officeDocument/2006/relationships" xmlns:p="http://schemas.openxmlformats.org/presentationml/2006/main">
+  <p:cSld>
+    <p:spTree>
+      <p:nvGrpSpPr>
+        <p:cNvPr id="1" name=""/>
+        <p:cNvGrpSpPr/>
+        <p:nvPr/>
+      </p:nvGrpSpPr>
+      <p:grpSpPr>
+        <a:xfrm>
+          <a:off x="0" y="0"/>
+          <a:ext cx="0" cy="0"/>
+          <a:chOff x="0" y="0"/>
+          <a:chExt cx="0" cy="0"/>
+        </a:xfrm>
+      </p:grpSpPr>
+      <p:sp>
+        <p:nvSpPr>
+          <p:cNvPr id="2" name="Title 1">
+            <a:extLst>
+              <a:ext uri="{FF2B5EF4-FFF2-40B4-BE49-F238E27FC236}">
+                <a16:creationId xmlns:a16="http://schemas.microsoft.com/office/drawing/2014/main" id="{DD4FDF1C-0937-433A-A4C3-D128C81A9973}"/>
+              </a:ext>
+            </a:extLst>
+          </p:cNvPr>
+          <p:cNvSpPr>
+            <a:spLocks noGrp="1"/>
+          </p:cNvSpPr>
+          <p:nvPr>
+            <p:ph type="title"/>
+          </p:nvPr>
+        </p:nvSpPr>
+        <p:spPr/>
+        <p:txBody>
+          <a:bodyPr/>
+          <a:lstStyle/>
+          <a:p>
+            <a:r>
+              <a:rPr lang="en-US" dirty="0"/>
+              <a:t>Tools	</a:t>
+            </a:r>
+          </a:p>
+        </p:txBody>
+      </p:sp>
+      <p:sp>
+        <p:nvSpPr>
+          <p:cNvPr id="3" name="Content Placeholder 2">
+            <a:extLst>
+              <a:ext uri="{FF2B5EF4-FFF2-40B4-BE49-F238E27FC236}">
+                <a16:creationId xmlns:a16="http://schemas.microsoft.com/office/drawing/2014/main" id="{4DF87B5C-221D-486C-956A-CDF80F755F6A}"/>
+              </a:ext>
+            </a:extLst>
+          </p:cNvPr>
+          <p:cNvSpPr>
+            <a:spLocks noGrp="1"/>
+          </p:cNvSpPr>
+          <p:nvPr>
+            <p:ph idx="1"/>
+          </p:nvPr>
+        </p:nvSpPr>
+        <p:spPr/>
+        <p:txBody>
+          <a:bodyPr/>
+          <a:lstStyle/>
+          <a:p>
+            <a:r>
+              <a:rPr lang="en-US" dirty="0" err="1"/>
+              <a:t>Astah</a:t>
+            </a:r>
+            <a:r>
+              <a:rPr lang="en-US" dirty="0"/>
+              <a:t> UML</a:t>
+            </a:r>
+          </a:p>
+          <a:p>
+            <a:r>
+              <a:rPr lang="en-US" dirty="0"/>
+              <a:t>GitHub</a:t>
+            </a:r>
+          </a:p>
+          <a:p>
+            <a:r>
+              <a:rPr lang="en-US" dirty="0"/>
+              <a:t>Eclipse + </a:t>
+            </a:r>
+            <a:r>
+              <a:rPr lang="en-US" dirty="0" err="1"/>
+              <a:t>JavaFx</a:t>
+            </a:r>
+            <a:endParaRPr lang="en-US" dirty="0"/>
+          </a:p>
+          <a:p>
+            <a:r>
+              <a:rPr lang="en-US" dirty="0" err="1"/>
+              <a:t>mySQL</a:t>
+            </a:r>
+            <a:r>
+              <a:rPr lang="en-US" dirty="0"/>
+              <a:t> Workbench</a:t>
+            </a:r>
+          </a:p>
+          <a:p>
+            <a:endParaRPr lang="en-US" dirty="0"/>
+          </a:p>
+        </p:txBody>
+      </p:sp>
+    </p:spTree>
+    <p:extLst>
+      <p:ext uri="{BB962C8B-B14F-4D97-AF65-F5344CB8AC3E}">
+        <p14:creationId xmlns:p14="http://schemas.microsoft.com/office/powerpoint/2010/main" val="3487534982"/>
+      </p:ext>
+    </p:extLst>
+  </p:cSld>
+  <p:clrMapOvr>
+    <a:masterClrMapping/>
+  </p:clrMapOvr>
+</p:sld>
+</file>
+
+<file path=ppt/slides/slide9.xml><?xml version="1.0" encoding="utf-8"?>
+<p:sld xmlns:a="http://schemas.openxmlformats.org/drawingml/2006/main" xmlns:r="http://schemas.openxmlformats.org/officeDocument/2006/relationships" xmlns:p="http://schemas.openxmlformats.org/presentationml/2006/main">
+  <p:cSld>
+    <p:spTree>
+      <p:nvGrpSpPr>
+        <p:cNvPr id="1" name=""/>
+        <p:cNvGrpSpPr/>
+        <p:nvPr/>
+      </p:nvGrpSpPr>
+      <p:grpSpPr>
+        <a:xfrm>
+          <a:off x="0" y="0"/>
+          <a:ext cx="0" cy="0"/>
+          <a:chOff x="0" y="0"/>
+          <a:chExt cx="0" cy="0"/>
+        </a:xfrm>
+      </p:grpSpPr>
+      <p:sp>
+        <p:nvSpPr>
+          <p:cNvPr id="2" name="Title 1">
+            <a:extLst>
+              <a:ext uri="{FF2B5EF4-FFF2-40B4-BE49-F238E27FC236}">
+                <a16:creationId xmlns:a16="http://schemas.microsoft.com/office/drawing/2014/main" id="{4FFF6119-28C7-413D-A412-A07E681D69E0}"/>
+              </a:ext>
+            </a:extLst>
+          </p:cNvPr>
+          <p:cNvSpPr>
+            <a:spLocks noGrp="1"/>
+          </p:cNvSpPr>
+          <p:nvPr>
+            <p:ph type="title"/>
+          </p:nvPr>
+        </p:nvSpPr>
+        <p:spPr/>
+        <p:txBody>
+          <a:bodyPr/>
+          <a:lstStyle/>
+          <a:p>
+            <a:r>
+              <a:rPr lang="en-US" dirty="0"/>
+              <a:t>Design Patterns Used</a:t>
+            </a:r>
+          </a:p>
+        </p:txBody>
+      </p:sp>
+      <p:sp>
+        <p:nvSpPr>
+          <p:cNvPr id="3" name="Content Placeholder 2">
+            <a:extLst>
+              <a:ext uri="{FF2B5EF4-FFF2-40B4-BE49-F238E27FC236}">
+                <a16:creationId xmlns:a16="http://schemas.microsoft.com/office/drawing/2014/main" id="{83764917-E64A-47C6-9E90-A1660A66D854}"/>
+              </a:ext>
+            </a:extLst>
+          </p:cNvPr>
+          <p:cNvSpPr>
+            <a:spLocks noGrp="1"/>
+          </p:cNvSpPr>
+          <p:nvPr>
+            <p:ph idx="1"/>
+          </p:nvPr>
+        </p:nvSpPr>
+        <p:spPr/>
+        <p:txBody>
+          <a:bodyPr/>
+          <a:lstStyle/>
+          <a:p>
+            <a:r>
+              <a:rPr lang="en-US" dirty="0"/>
+              <a:t>Factory</a:t>
+            </a:r>
+          </a:p>
+          <a:p>
+            <a:r>
+              <a:rPr lang="en-US" dirty="0"/>
+              <a:t>Singleton</a:t>
+            </a:r>
+          </a:p>
+          <a:p>
+            <a:r>
+              <a:rPr lang="en-US" dirty="0"/>
+              <a:t>MVC</a:t>
+            </a:r>
+          </a:p>
+        </p:txBody>
+      </p:sp>
+    </p:spTree>
+    <p:extLst>
+      <p:ext uri="{BB962C8B-B14F-4D97-AF65-F5344CB8AC3E}">
+        <p14:creationId xmlns:p14="http://schemas.microsoft.com/office/powerpoint/2010/main" val="2586577380"/>
       </p:ext>
     </p:extLst>
   </p:cSld>

--- a/MIU Helpdesk.pptx
+++ b/MIU Helpdesk.pptx
@@ -11,9 +11,10 @@
     <p:sldId id="258" r:id="rId5"/>
     <p:sldId id="259" r:id="rId6"/>
     <p:sldId id="262" r:id="rId7"/>
-    <p:sldId id="260" r:id="rId8"/>
-    <p:sldId id="264" r:id="rId9"/>
-    <p:sldId id="263" r:id="rId10"/>
+    <p:sldId id="265" r:id="rId8"/>
+    <p:sldId id="260" r:id="rId9"/>
+    <p:sldId id="264" r:id="rId10"/>
+    <p:sldId id="263" r:id="rId11"/>
   </p:sldIdLst>
   <p:sldSz cx="12192000" cy="6858000"/>
   <p:notesSz cx="6858000" cy="9144000"/>
@@ -7793,6 +7794,104 @@
 </p:sld>
 </file>
 
+<file path=ppt/slides/slide10.xml><?xml version="1.0" encoding="utf-8"?>
+<p:sld xmlns:a="http://schemas.openxmlformats.org/drawingml/2006/main" xmlns:r="http://schemas.openxmlformats.org/officeDocument/2006/relationships" xmlns:p="http://schemas.openxmlformats.org/presentationml/2006/main">
+  <p:cSld>
+    <p:spTree>
+      <p:nvGrpSpPr>
+        <p:cNvPr id="1" name=""/>
+        <p:cNvGrpSpPr/>
+        <p:nvPr/>
+      </p:nvGrpSpPr>
+      <p:grpSpPr>
+        <a:xfrm>
+          <a:off x="0" y="0"/>
+          <a:ext cx="0" cy="0"/>
+          <a:chOff x="0" y="0"/>
+          <a:chExt cx="0" cy="0"/>
+        </a:xfrm>
+      </p:grpSpPr>
+      <p:sp>
+        <p:nvSpPr>
+          <p:cNvPr id="2" name="Title 1">
+            <a:extLst>
+              <a:ext uri="{FF2B5EF4-FFF2-40B4-BE49-F238E27FC236}">
+                <a16:creationId xmlns:a16="http://schemas.microsoft.com/office/drawing/2014/main" id="{4FFF6119-28C7-413D-A412-A07E681D69E0}"/>
+              </a:ext>
+            </a:extLst>
+          </p:cNvPr>
+          <p:cNvSpPr>
+            <a:spLocks noGrp="1"/>
+          </p:cNvSpPr>
+          <p:nvPr>
+            <p:ph type="title"/>
+          </p:nvPr>
+        </p:nvSpPr>
+        <p:spPr/>
+        <p:txBody>
+          <a:bodyPr/>
+          <a:lstStyle/>
+          <a:p>
+            <a:r>
+              <a:rPr lang="en-US" dirty="0"/>
+              <a:t>Design Patterns Used</a:t>
+            </a:r>
+          </a:p>
+        </p:txBody>
+      </p:sp>
+      <p:sp>
+        <p:nvSpPr>
+          <p:cNvPr id="3" name="Content Placeholder 2">
+            <a:extLst>
+              <a:ext uri="{FF2B5EF4-FFF2-40B4-BE49-F238E27FC236}">
+                <a16:creationId xmlns:a16="http://schemas.microsoft.com/office/drawing/2014/main" id="{83764917-E64A-47C6-9E90-A1660A66D854}"/>
+              </a:ext>
+            </a:extLst>
+          </p:cNvPr>
+          <p:cNvSpPr>
+            <a:spLocks noGrp="1"/>
+          </p:cNvSpPr>
+          <p:nvPr>
+            <p:ph idx="1"/>
+          </p:nvPr>
+        </p:nvSpPr>
+        <p:spPr/>
+        <p:txBody>
+          <a:bodyPr/>
+          <a:lstStyle/>
+          <a:p>
+            <a:r>
+              <a:rPr lang="en-US" dirty="0"/>
+              <a:t>Factory</a:t>
+            </a:r>
+          </a:p>
+          <a:p>
+            <a:r>
+              <a:rPr lang="en-US" dirty="0"/>
+              <a:t>Singleton</a:t>
+            </a:r>
+          </a:p>
+          <a:p>
+            <a:r>
+              <a:rPr lang="en-US" dirty="0"/>
+              <a:t>MVC</a:t>
+            </a:r>
+          </a:p>
+        </p:txBody>
+      </p:sp>
+    </p:spTree>
+    <p:extLst>
+      <p:ext uri="{BB962C8B-B14F-4D97-AF65-F5344CB8AC3E}">
+        <p14:creationId xmlns:p14="http://schemas.microsoft.com/office/powerpoint/2010/main" val="2586577380"/>
+      </p:ext>
+    </p:extLst>
+  </p:cSld>
+  <p:clrMapOvr>
+    <a:masterClrMapping/>
+  </p:clrMapOvr>
+</p:sld>
+</file>
+
 <file path=ppt/slides/slide2.xml><?xml version="1.0" encoding="utf-8"?>
 <p:sld xmlns:a="http://schemas.openxmlformats.org/drawingml/2006/main" xmlns:r="http://schemas.openxmlformats.org/officeDocument/2006/relationships" xmlns:p="http://schemas.openxmlformats.org/presentationml/2006/main">
   <p:cSld>
@@ -8580,6 +8679,103 @@
       </p:grpSpPr>
       <p:sp>
         <p:nvSpPr>
+          <p:cNvPr id="2" name="Title 1">
+            <a:extLst>
+              <a:ext uri="{FF2B5EF4-FFF2-40B4-BE49-F238E27FC236}">
+                <a16:creationId xmlns:a16="http://schemas.microsoft.com/office/drawing/2014/main" id="{FF05D268-FFED-4BBB-B35B-A99EE34C5C9D}"/>
+              </a:ext>
+            </a:extLst>
+          </p:cNvPr>
+          <p:cNvSpPr>
+            <a:spLocks noGrp="1"/>
+          </p:cNvSpPr>
+          <p:nvPr>
+            <p:ph type="title"/>
+          </p:nvPr>
+        </p:nvSpPr>
+        <p:spPr/>
+        <p:txBody>
+          <a:bodyPr/>
+          <a:lstStyle/>
+          <a:p>
+            <a:r>
+              <a:rPr lang="en-US" dirty="0" err="1"/>
+              <a:t>UseCase</a:t>
+            </a:r>
+            <a:r>
+              <a:rPr lang="en-US" dirty="0"/>
+              <a:t> Diagram</a:t>
+            </a:r>
+          </a:p>
+        </p:txBody>
+      </p:sp>
+      <p:pic>
+        <p:nvPicPr>
+          <p:cNvPr id="5" name="Content Placeholder 4" descr="Diagram&#10;&#10;Description automatically generated">
+            <a:extLst>
+              <a:ext uri="{FF2B5EF4-FFF2-40B4-BE49-F238E27FC236}">
+                <a16:creationId xmlns:a16="http://schemas.microsoft.com/office/drawing/2014/main" id="{86860C4C-874F-4F33-ABDA-CE920C7A1857}"/>
+              </a:ext>
+            </a:extLst>
+          </p:cNvPr>
+          <p:cNvPicPr>
+            <a:picLocks noGrp="1" noChangeAspect="1"/>
+          </p:cNvPicPr>
+          <p:nvPr>
+            <p:ph idx="1"/>
+          </p:nvPr>
+        </p:nvPicPr>
+        <p:blipFill>
+          <a:blip r:embed="rId2">
+            <a:extLst>
+              <a:ext uri="{28A0092B-C50C-407E-A947-70E740481C1C}">
+                <a14:useLocalDpi xmlns:a14="http://schemas.microsoft.com/office/drawing/2010/main" val="0"/>
+              </a:ext>
+            </a:extLst>
+          </a:blip>
+          <a:stretch>
+            <a:fillRect/>
+          </a:stretch>
+        </p:blipFill>
+        <p:spPr>
+          <a:xfrm>
+            <a:off x="3090076" y="1264921"/>
+            <a:ext cx="6405936" cy="4506740"/>
+          </a:xfrm>
+        </p:spPr>
+      </p:pic>
+    </p:spTree>
+    <p:extLst>
+      <p:ext uri="{BB962C8B-B14F-4D97-AF65-F5344CB8AC3E}">
+        <p14:creationId xmlns:p14="http://schemas.microsoft.com/office/powerpoint/2010/main" val="3451035235"/>
+      </p:ext>
+    </p:extLst>
+  </p:cSld>
+  <p:clrMapOvr>
+    <a:masterClrMapping/>
+  </p:clrMapOvr>
+</p:sld>
+</file>
+
+<file path=ppt/slides/slide8.xml><?xml version="1.0" encoding="utf-8"?>
+<p:sld xmlns:a="http://schemas.openxmlformats.org/drawingml/2006/main" xmlns:r="http://schemas.openxmlformats.org/officeDocument/2006/relationships" xmlns:p="http://schemas.openxmlformats.org/presentationml/2006/main">
+  <p:cSld>
+    <p:spTree>
+      <p:nvGrpSpPr>
+        <p:cNvPr id="1" name=""/>
+        <p:cNvGrpSpPr/>
+        <p:nvPr/>
+      </p:nvGrpSpPr>
+      <p:grpSpPr>
+        <a:xfrm>
+          <a:off x="0" y="0"/>
+          <a:ext cx="0" cy="0"/>
+          <a:chOff x="0" y="0"/>
+          <a:chExt cx="0" cy="0"/>
+        </a:xfrm>
+      </p:grpSpPr>
+      <p:sp>
+        <p:nvSpPr>
           <p:cNvPr id="2" name="Titre 1"/>
           <p:cNvSpPr>
             <a:spLocks noGrp="1"/>
@@ -8652,126 +8848,6 @@
 </p:sld>
 </file>
 
-<file path=ppt/slides/slide8.xml><?xml version="1.0" encoding="utf-8"?>
-<p:sld xmlns:a="http://schemas.openxmlformats.org/drawingml/2006/main" xmlns:r="http://schemas.openxmlformats.org/officeDocument/2006/relationships" xmlns:p="http://schemas.openxmlformats.org/presentationml/2006/main">
-  <p:cSld>
-    <p:spTree>
-      <p:nvGrpSpPr>
-        <p:cNvPr id="1" name=""/>
-        <p:cNvGrpSpPr/>
-        <p:nvPr/>
-      </p:nvGrpSpPr>
-      <p:grpSpPr>
-        <a:xfrm>
-          <a:off x="0" y="0"/>
-          <a:ext cx="0" cy="0"/>
-          <a:chOff x="0" y="0"/>
-          <a:chExt cx="0" cy="0"/>
-        </a:xfrm>
-      </p:grpSpPr>
-      <p:sp>
-        <p:nvSpPr>
-          <p:cNvPr id="2" name="Title 1">
-            <a:extLst>
-              <a:ext uri="{FF2B5EF4-FFF2-40B4-BE49-F238E27FC236}">
-                <a16:creationId xmlns:a16="http://schemas.microsoft.com/office/drawing/2014/main" id="{DD4FDF1C-0937-433A-A4C3-D128C81A9973}"/>
-              </a:ext>
-            </a:extLst>
-          </p:cNvPr>
-          <p:cNvSpPr>
-            <a:spLocks noGrp="1"/>
-          </p:cNvSpPr>
-          <p:nvPr>
-            <p:ph type="title"/>
-          </p:nvPr>
-        </p:nvSpPr>
-        <p:spPr/>
-        <p:txBody>
-          <a:bodyPr/>
-          <a:lstStyle/>
-          <a:p>
-            <a:r>
-              <a:rPr lang="en-US" dirty="0"/>
-              <a:t>Tools	</a:t>
-            </a:r>
-          </a:p>
-        </p:txBody>
-      </p:sp>
-      <p:sp>
-        <p:nvSpPr>
-          <p:cNvPr id="3" name="Content Placeholder 2">
-            <a:extLst>
-              <a:ext uri="{FF2B5EF4-FFF2-40B4-BE49-F238E27FC236}">
-                <a16:creationId xmlns:a16="http://schemas.microsoft.com/office/drawing/2014/main" id="{4DF87B5C-221D-486C-956A-CDF80F755F6A}"/>
-              </a:ext>
-            </a:extLst>
-          </p:cNvPr>
-          <p:cNvSpPr>
-            <a:spLocks noGrp="1"/>
-          </p:cNvSpPr>
-          <p:nvPr>
-            <p:ph idx="1"/>
-          </p:nvPr>
-        </p:nvSpPr>
-        <p:spPr/>
-        <p:txBody>
-          <a:bodyPr/>
-          <a:lstStyle/>
-          <a:p>
-            <a:r>
-              <a:rPr lang="en-US" dirty="0" err="1"/>
-              <a:t>Astah</a:t>
-            </a:r>
-            <a:r>
-              <a:rPr lang="en-US" dirty="0"/>
-              <a:t> UML</a:t>
-            </a:r>
-          </a:p>
-          <a:p>
-            <a:r>
-              <a:rPr lang="en-US" dirty="0"/>
-              <a:t>GitHub</a:t>
-            </a:r>
-          </a:p>
-          <a:p>
-            <a:r>
-              <a:rPr lang="en-US" dirty="0"/>
-              <a:t>Eclipse + </a:t>
-            </a:r>
-            <a:r>
-              <a:rPr lang="en-US" dirty="0" err="1"/>
-              <a:t>JavaFx</a:t>
-            </a:r>
-            <a:endParaRPr lang="en-US" dirty="0"/>
-          </a:p>
-          <a:p>
-            <a:r>
-              <a:rPr lang="en-US" dirty="0" err="1"/>
-              <a:t>mySQL</a:t>
-            </a:r>
-            <a:r>
-              <a:rPr lang="en-US" dirty="0"/>
-              <a:t> Workbench</a:t>
-            </a:r>
-          </a:p>
-          <a:p>
-            <a:endParaRPr lang="en-US" dirty="0"/>
-          </a:p>
-        </p:txBody>
-      </p:sp>
-    </p:spTree>
-    <p:extLst>
-      <p:ext uri="{BB962C8B-B14F-4D97-AF65-F5344CB8AC3E}">
-        <p14:creationId xmlns:p14="http://schemas.microsoft.com/office/powerpoint/2010/main" val="3487534982"/>
-      </p:ext>
-    </p:extLst>
-  </p:cSld>
-  <p:clrMapOvr>
-    <a:masterClrMapping/>
-  </p:clrMapOvr>
-</p:sld>
-</file>
-
 <file path=ppt/slides/slide9.xml><?xml version="1.0" encoding="utf-8"?>
 <p:sld xmlns:a="http://schemas.openxmlformats.org/drawingml/2006/main" xmlns:r="http://schemas.openxmlformats.org/officeDocument/2006/relationships" xmlns:p="http://schemas.openxmlformats.org/presentationml/2006/main">
   <p:cSld>
@@ -8794,7 +8870,7 @@
           <p:cNvPr id="2" name="Title 1">
             <a:extLst>
               <a:ext uri="{FF2B5EF4-FFF2-40B4-BE49-F238E27FC236}">
-                <a16:creationId xmlns:a16="http://schemas.microsoft.com/office/drawing/2014/main" id="{4FFF6119-28C7-413D-A412-A07E681D69E0}"/>
+                <a16:creationId xmlns:a16="http://schemas.microsoft.com/office/drawing/2014/main" id="{DD4FDF1C-0937-433A-A4C3-D128C81A9973}"/>
               </a:ext>
             </a:extLst>
           </p:cNvPr>
@@ -8812,7 +8888,7 @@
           <a:p>
             <a:r>
               <a:rPr lang="en-US" dirty="0"/>
-              <a:t>Design Patterns Used</a:t>
+              <a:t>Tools	</a:t>
             </a:r>
           </a:p>
         </p:txBody>
@@ -8822,7 +8898,7 @@
           <p:cNvPr id="3" name="Content Placeholder 2">
             <a:extLst>
               <a:ext uri="{FF2B5EF4-FFF2-40B4-BE49-F238E27FC236}">
-                <a16:creationId xmlns:a16="http://schemas.microsoft.com/office/drawing/2014/main" id="{83764917-E64A-47C6-9E90-A1660A66D854}"/>
+                <a16:creationId xmlns:a16="http://schemas.microsoft.com/office/drawing/2014/main" id="{4DF87B5C-221D-486C-956A-CDF80F755F6A}"/>
               </a:ext>
             </a:extLst>
           </p:cNvPr>
@@ -8839,28 +8915,50 @@
           <a:lstStyle/>
           <a:p>
             <a:r>
+              <a:rPr lang="en-US" dirty="0" err="1"/>
+              <a:t>Astah</a:t>
+            </a:r>
+            <a:r>
               <a:rPr lang="en-US" dirty="0"/>
-              <a:t>Factory</a:t>
+              <a:t> UML</a:t>
             </a:r>
           </a:p>
           <a:p>
             <a:r>
               <a:rPr lang="en-US" dirty="0"/>
-              <a:t>Singleton</a:t>
+              <a:t>GitHub</a:t>
             </a:r>
           </a:p>
           <a:p>
             <a:r>
               <a:rPr lang="en-US" dirty="0"/>
-              <a:t>MVC</a:t>
-            </a:r>
+              <a:t>Eclipse + </a:t>
+            </a:r>
+            <a:r>
+              <a:rPr lang="en-US" dirty="0" err="1"/>
+              <a:t>JavaFx</a:t>
+            </a:r>
+            <a:endParaRPr lang="en-US" dirty="0"/>
+          </a:p>
+          <a:p>
+            <a:r>
+              <a:rPr lang="en-US" dirty="0" err="1"/>
+              <a:t>mySQL</a:t>
+            </a:r>
+            <a:r>
+              <a:rPr lang="en-US" dirty="0"/>
+              <a:t> Workbench</a:t>
+            </a:r>
+          </a:p>
+          <a:p>
+            <a:endParaRPr lang="en-US" dirty="0"/>
           </a:p>
         </p:txBody>
       </p:sp>
     </p:spTree>
     <p:extLst>
       <p:ext uri="{BB962C8B-B14F-4D97-AF65-F5344CB8AC3E}">
-        <p14:creationId xmlns:p14="http://schemas.microsoft.com/office/powerpoint/2010/main" val="2586577380"/>
+        <p14:creationId xmlns:p14="http://schemas.microsoft.com/office/powerpoint/2010/main" val="3487534982"/>
       </p:ext>
     </p:extLst>
   </p:cSld>
